--- a/Expense diary.pptx
+++ b/Expense diary.pptx
@@ -248,7 +248,8 @@
           <a:p>
             <a:fld id="{5BFE9F97-6E3F-4D61-9474-7481B6C08E6A}" type="datetimeFigureOut">
               <a:rPr lang="ru-RU" smtClean="0"/>
-              <a:t>14.12.2018</a:t>
+              <a:pPr/>
+              <a:t>20.12.2018</a:t>
             </a:fld>
             <a:endParaRPr lang="ru-RU"/>
           </a:p>
@@ -994,6 +995,7 @@
           <a:p>
             <a:fld id="{00355266-71C3-4D04-9B19-7B8FFF880A32}" type="slidenum">
               <a:rPr lang="ru-RU" smtClean="0"/>
+              <a:pPr/>
               <a:t>‹#›</a:t>
             </a:fld>
             <a:endParaRPr lang="ru-RU"/>
@@ -1117,7 +1119,8 @@
           <a:p>
             <a:fld id="{5BFE9F97-6E3F-4D61-9474-7481B6C08E6A}" type="datetimeFigureOut">
               <a:rPr lang="ru-RU" smtClean="0"/>
-              <a:t>14.12.2018</a:t>
+              <a:pPr/>
+              <a:t>20.12.2018</a:t>
             </a:fld>
             <a:endParaRPr lang="ru-RU"/>
           </a:p>
@@ -1159,6 +1162,7 @@
           <a:p>
             <a:fld id="{00355266-71C3-4D04-9B19-7B8FFF880A32}" type="slidenum">
               <a:rPr lang="ru-RU" smtClean="0"/>
+              <a:pPr/>
               <a:t>‹#›</a:t>
             </a:fld>
             <a:endParaRPr lang="ru-RU"/>
@@ -1292,7 +1296,8 @@
           <a:p>
             <a:fld id="{5BFE9F97-6E3F-4D61-9474-7481B6C08E6A}" type="datetimeFigureOut">
               <a:rPr lang="ru-RU" smtClean="0"/>
-              <a:t>14.12.2018</a:t>
+              <a:pPr/>
+              <a:t>20.12.2018</a:t>
             </a:fld>
             <a:endParaRPr lang="ru-RU"/>
           </a:p>
@@ -1334,6 +1339,7 @@
           <a:p>
             <a:fld id="{00355266-71C3-4D04-9B19-7B8FFF880A32}" type="slidenum">
               <a:rPr lang="ru-RU" smtClean="0"/>
+              <a:pPr/>
               <a:t>‹#›</a:t>
             </a:fld>
             <a:endParaRPr lang="ru-RU"/>
@@ -1462,7 +1468,8 @@
           <a:p>
             <a:fld id="{5BFE9F97-6E3F-4D61-9474-7481B6C08E6A}" type="datetimeFigureOut">
               <a:rPr lang="ru-RU" smtClean="0"/>
-              <a:t>14.12.2018</a:t>
+              <a:pPr/>
+              <a:t>20.12.2018</a:t>
             </a:fld>
             <a:endParaRPr lang="ru-RU"/>
           </a:p>
@@ -1485,6 +1492,7 @@
           <a:p>
             <a:fld id="{00355266-71C3-4D04-9B19-7B8FFF880A32}" type="slidenum">
               <a:rPr lang="ru-RU" smtClean="0"/>
+              <a:pPr/>
               <a:t>‹#›</a:t>
             </a:fld>
             <a:endParaRPr lang="ru-RU"/>
@@ -1672,7 +1680,8 @@
           <a:p>
             <a:fld id="{5BFE9F97-6E3F-4D61-9474-7481B6C08E6A}" type="datetimeFigureOut">
               <a:rPr lang="ru-RU" smtClean="0"/>
-              <a:t>14.12.2018</a:t>
+              <a:pPr/>
+              <a:t>20.12.2018</a:t>
             </a:fld>
             <a:endParaRPr lang="ru-RU"/>
           </a:p>
@@ -2415,6 +2424,7 @@
           <a:p>
             <a:fld id="{00355266-71C3-4D04-9B19-7B8FFF880A32}" type="slidenum">
               <a:rPr lang="ru-RU" smtClean="0"/>
+              <a:pPr/>
               <a:t>‹#›</a:t>
             </a:fld>
             <a:endParaRPr lang="ru-RU"/>
@@ -2486,7 +2496,8 @@
           <a:p>
             <a:fld id="{5BFE9F97-6E3F-4D61-9474-7481B6C08E6A}" type="datetimeFigureOut">
               <a:rPr lang="ru-RU" smtClean="0"/>
-              <a:t>14.12.2018</a:t>
+              <a:pPr/>
+              <a:t>20.12.2018</a:t>
             </a:fld>
             <a:endParaRPr lang="ru-RU"/>
           </a:p>
@@ -2528,6 +2539,7 @@
           <a:p>
             <a:fld id="{00355266-71C3-4D04-9B19-7B8FFF880A32}" type="slidenum">
               <a:rPr lang="ru-RU" smtClean="0"/>
+              <a:pPr/>
               <a:t>‹#›</a:t>
             </a:fld>
             <a:endParaRPr lang="ru-RU"/>
@@ -2722,7 +2734,8 @@
           <a:p>
             <a:fld id="{5BFE9F97-6E3F-4D61-9474-7481B6C08E6A}" type="datetimeFigureOut">
               <a:rPr lang="ru-RU" smtClean="0"/>
-              <a:t>14.12.2018</a:t>
+              <a:pPr/>
+              <a:t>20.12.2018</a:t>
             </a:fld>
             <a:endParaRPr lang="ru-RU"/>
           </a:p>
@@ -2764,6 +2777,7 @@
           <a:p>
             <a:fld id="{00355266-71C3-4D04-9B19-7B8FFF880A32}" type="slidenum">
               <a:rPr lang="ru-RU" smtClean="0"/>
+              <a:pPr/>
               <a:t>‹#›</a:t>
             </a:fld>
             <a:endParaRPr lang="ru-RU"/>
@@ -3045,7 +3059,8 @@
           <a:p>
             <a:fld id="{5BFE9F97-6E3F-4D61-9474-7481B6C08E6A}" type="datetimeFigureOut">
               <a:rPr lang="ru-RU" smtClean="0"/>
-              <a:t>14.12.2018</a:t>
+              <a:pPr/>
+              <a:t>20.12.2018</a:t>
             </a:fld>
             <a:endParaRPr lang="ru-RU"/>
           </a:p>
@@ -3068,6 +3083,7 @@
           <a:p>
             <a:fld id="{00355266-71C3-4D04-9B19-7B8FFF880A32}" type="slidenum">
               <a:rPr lang="ru-RU" smtClean="0"/>
+              <a:pPr/>
               <a:t>‹#›</a:t>
             </a:fld>
             <a:endParaRPr lang="ru-RU"/>
@@ -3135,7 +3151,8 @@
           <a:p>
             <a:fld id="{5BFE9F97-6E3F-4D61-9474-7481B6C08E6A}" type="datetimeFigureOut">
               <a:rPr lang="ru-RU" smtClean="0"/>
-              <a:t>14.12.2018</a:t>
+              <a:pPr/>
+              <a:t>20.12.2018</a:t>
             </a:fld>
             <a:endParaRPr lang="ru-RU"/>
           </a:p>
@@ -3177,6 +3194,7 @@
           <a:p>
             <a:fld id="{00355266-71C3-4D04-9B19-7B8FFF880A32}" type="slidenum">
               <a:rPr lang="ru-RU" smtClean="0"/>
+              <a:pPr/>
               <a:t>‹#›</a:t>
             </a:fld>
             <a:endParaRPr lang="ru-RU"/>
@@ -3652,7 +3670,8 @@
           <a:p>
             <a:fld id="{5BFE9F97-6E3F-4D61-9474-7481B6C08E6A}" type="datetimeFigureOut">
               <a:rPr lang="ru-RU" smtClean="0"/>
-              <a:t>14.12.2018</a:t>
+              <a:pPr/>
+              <a:t>20.12.2018</a:t>
             </a:fld>
             <a:endParaRPr lang="ru-RU"/>
           </a:p>
@@ -3675,6 +3694,7 @@
           <a:p>
             <a:fld id="{00355266-71C3-4D04-9B19-7B8FFF880A32}" type="slidenum">
               <a:rPr lang="ru-RU" smtClean="0"/>
+              <a:pPr/>
               <a:t>‹#›</a:t>
             </a:fld>
             <a:endParaRPr lang="ru-RU"/>
@@ -4163,7 +4183,8 @@
           <a:p>
             <a:fld id="{5BFE9F97-6E3F-4D61-9474-7481B6C08E6A}" type="datetimeFigureOut">
               <a:rPr lang="ru-RU" smtClean="0"/>
-              <a:t>14.12.2018</a:t>
+              <a:pPr/>
+              <a:t>20.12.2018</a:t>
             </a:fld>
             <a:endParaRPr lang="ru-RU"/>
           </a:p>
@@ -4186,6 +4207,7 @@
           <a:p>
             <a:fld id="{00355266-71C3-4D04-9B19-7B8FFF880A32}" type="slidenum">
               <a:rPr lang="ru-RU" smtClean="0"/>
+              <a:pPr/>
               <a:t>‹#›</a:t>
             </a:fld>
             <a:endParaRPr lang="ru-RU"/>
@@ -4408,7 +4430,8 @@
           <a:p>
             <a:fld id="{5BFE9F97-6E3F-4D61-9474-7481B6C08E6A}" type="datetimeFigureOut">
               <a:rPr lang="ru-RU" smtClean="0"/>
-              <a:t>14.12.2018</a:t>
+              <a:pPr/>
+              <a:t>20.12.2018</a:t>
             </a:fld>
             <a:endParaRPr lang="ru-RU"/>
           </a:p>
@@ -4684,6 +4707,7 @@
           <a:p>
             <a:fld id="{00355266-71C3-4D04-9B19-7B8FFF880A32}" type="slidenum">
               <a:rPr lang="ru-RU" smtClean="0"/>
+              <a:pPr/>
               <a:t>‹#›</a:t>
             </a:fld>
             <a:endParaRPr lang="ru-RU"/>
@@ -5185,11 +5209,7 @@
             </a:r>
             <a:r>
               <a:rPr lang="ru-RU" sz="2400" dirty="0" smtClean="0"/>
-              <a:t> Евгени</a:t>
-            </a:r>
-            <a:r>
-              <a:rPr lang="ru-RU" sz="2400" dirty="0" smtClean="0"/>
-              <a:t>я</a:t>
+              <a:t> Евгения</a:t>
             </a:r>
             <a:endParaRPr lang="ru-RU" sz="2400" dirty="0"/>
           </a:p>
@@ -5240,11 +5260,13 @@
         <p:spPr>
           <a:xfrm>
             <a:off x="457200" y="980728"/>
-            <a:ext cx="7467600" cy="2520280"/>
-          </a:xfrm>
-        </p:spPr>
-        <p:txBody>
-          <a:bodyPr/>
+            <a:ext cx="8219256" cy="2520280"/>
+          </a:xfrm>
+        </p:spPr>
+        <p:txBody>
+          <a:bodyPr>
+            <a:normAutofit/>
+          </a:bodyPr>
           <a:lstStyle/>
           <a:p>
             <a:r>
@@ -5306,11 +5328,23 @@
             </a:r>
             <a:r>
               <a:rPr lang="ru-RU" sz="2800" dirty="0" smtClean="0"/>
-              <a:t>приложение</a:t>
+              <a:t>приложение, предназначенное для учета расходов и </a:t>
             </a:r>
             <a:r>
               <a:rPr lang="ru-RU" sz="2800" dirty="0" smtClean="0"/>
-              <a:t>, предназначенное для учета расходов и доходов.</a:t>
+              <a:t>доходов, написанное на высокоуровневом языке программирования </a:t>
+            </a:r>
+            <a:r>
+              <a:rPr lang="en-US" sz="2800" dirty="0" smtClean="0"/>
+              <a:t>Python </a:t>
+            </a:r>
+            <a:r>
+              <a:rPr lang="ru-RU" sz="2800" dirty="0" smtClean="0"/>
+              <a:t>с использованием библиотеки </a:t>
+            </a:r>
+            <a:r>
+              <a:rPr lang="en-US" sz="2800" dirty="0" smtClean="0"/>
+              <a:t>PyQt5.</a:t>
             </a:r>
             <a:endParaRPr lang="ru-RU" sz="2800" dirty="0"/>
           </a:p>
@@ -5343,7 +5377,7 @@
       </p:grpSpPr>
       <p:pic>
         <p:nvPicPr>
-          <p:cNvPr id="4" name="Содержимое 3" descr="Expense_diary.png"/>
+          <p:cNvPr id="5" name="Содержимое 4" descr="Expense_diary.2.0.png"/>
           <p:cNvPicPr>
             <a:picLocks noGrp="1" noChangeAspect="1"/>
           </p:cNvPicPr>
@@ -5359,8 +5393,8 @@
         </p:blipFill>
         <p:spPr>
           <a:xfrm>
-            <a:off x="2081806" y="598882"/>
-            <a:ext cx="4362402" cy="5566422"/>
+            <a:off x="1792397" y="404664"/>
+            <a:ext cx="4797206" cy="6112568"/>
           </a:xfrm>
         </p:spPr>
       </p:pic>

--- a/Expense diary.pptx
+++ b/Expense diary.pptx
@@ -249,7 +249,7 @@
             <a:fld id="{5BFE9F97-6E3F-4D61-9474-7481B6C08E6A}" type="datetimeFigureOut">
               <a:rPr lang="ru-RU" smtClean="0"/>
               <a:pPr/>
-              <a:t>20.12.2018</a:t>
+              <a:t>21.12.2018</a:t>
             </a:fld>
             <a:endParaRPr lang="ru-RU"/>
           </a:p>
@@ -1120,7 +1120,7 @@
             <a:fld id="{5BFE9F97-6E3F-4D61-9474-7481B6C08E6A}" type="datetimeFigureOut">
               <a:rPr lang="ru-RU" smtClean="0"/>
               <a:pPr/>
-              <a:t>20.12.2018</a:t>
+              <a:t>21.12.2018</a:t>
             </a:fld>
             <a:endParaRPr lang="ru-RU"/>
           </a:p>
@@ -1297,7 +1297,7 @@
             <a:fld id="{5BFE9F97-6E3F-4D61-9474-7481B6C08E6A}" type="datetimeFigureOut">
               <a:rPr lang="ru-RU" smtClean="0"/>
               <a:pPr/>
-              <a:t>20.12.2018</a:t>
+              <a:t>21.12.2018</a:t>
             </a:fld>
             <a:endParaRPr lang="ru-RU"/>
           </a:p>
@@ -1469,7 +1469,7 @@
             <a:fld id="{5BFE9F97-6E3F-4D61-9474-7481B6C08E6A}" type="datetimeFigureOut">
               <a:rPr lang="ru-RU" smtClean="0"/>
               <a:pPr/>
-              <a:t>20.12.2018</a:t>
+              <a:t>21.12.2018</a:t>
             </a:fld>
             <a:endParaRPr lang="ru-RU"/>
           </a:p>
@@ -1681,7 +1681,7 @@
             <a:fld id="{5BFE9F97-6E3F-4D61-9474-7481B6C08E6A}" type="datetimeFigureOut">
               <a:rPr lang="ru-RU" smtClean="0"/>
               <a:pPr/>
-              <a:t>20.12.2018</a:t>
+              <a:t>21.12.2018</a:t>
             </a:fld>
             <a:endParaRPr lang="ru-RU"/>
           </a:p>
@@ -2497,7 +2497,7 @@
             <a:fld id="{5BFE9F97-6E3F-4D61-9474-7481B6C08E6A}" type="datetimeFigureOut">
               <a:rPr lang="ru-RU" smtClean="0"/>
               <a:pPr/>
-              <a:t>20.12.2018</a:t>
+              <a:t>21.12.2018</a:t>
             </a:fld>
             <a:endParaRPr lang="ru-RU"/>
           </a:p>
@@ -2735,7 +2735,7 @@
             <a:fld id="{5BFE9F97-6E3F-4D61-9474-7481B6C08E6A}" type="datetimeFigureOut">
               <a:rPr lang="ru-RU" smtClean="0"/>
               <a:pPr/>
-              <a:t>20.12.2018</a:t>
+              <a:t>21.12.2018</a:t>
             </a:fld>
             <a:endParaRPr lang="ru-RU"/>
           </a:p>
@@ -3060,7 +3060,7 @@
             <a:fld id="{5BFE9F97-6E3F-4D61-9474-7481B6C08E6A}" type="datetimeFigureOut">
               <a:rPr lang="ru-RU" smtClean="0"/>
               <a:pPr/>
-              <a:t>20.12.2018</a:t>
+              <a:t>21.12.2018</a:t>
             </a:fld>
             <a:endParaRPr lang="ru-RU"/>
           </a:p>
@@ -3152,7 +3152,7 @@
             <a:fld id="{5BFE9F97-6E3F-4D61-9474-7481B6C08E6A}" type="datetimeFigureOut">
               <a:rPr lang="ru-RU" smtClean="0"/>
               <a:pPr/>
-              <a:t>20.12.2018</a:t>
+              <a:t>21.12.2018</a:t>
             </a:fld>
             <a:endParaRPr lang="ru-RU"/>
           </a:p>
@@ -3671,7 +3671,7 @@
             <a:fld id="{5BFE9F97-6E3F-4D61-9474-7481B6C08E6A}" type="datetimeFigureOut">
               <a:rPr lang="ru-RU" smtClean="0"/>
               <a:pPr/>
-              <a:t>20.12.2018</a:t>
+              <a:t>21.12.2018</a:t>
             </a:fld>
             <a:endParaRPr lang="ru-RU"/>
           </a:p>
@@ -4184,7 +4184,7 @@
             <a:fld id="{5BFE9F97-6E3F-4D61-9474-7481B6C08E6A}" type="datetimeFigureOut">
               <a:rPr lang="ru-RU" smtClean="0"/>
               <a:pPr/>
-              <a:t>20.12.2018</a:t>
+              <a:t>21.12.2018</a:t>
             </a:fld>
             <a:endParaRPr lang="ru-RU"/>
           </a:p>
@@ -4431,7 +4431,7 @@
             <a:fld id="{5BFE9F97-6E3F-4D61-9474-7481B6C08E6A}" type="datetimeFigureOut">
               <a:rPr lang="ru-RU" smtClean="0"/>
               <a:pPr/>
-              <a:t>20.12.2018</a:t>
+              <a:t>21.12.2018</a:t>
             </a:fld>
             <a:endParaRPr lang="ru-RU"/>
           </a:p>
@@ -5076,7 +5076,25 @@
                   </a:outerShdw>
                 </a:effectLst>
               </a:rPr>
-              <a:t>Expense diary</a:t>
+              <a:t>   Expense </a:t>
+            </a:r>
+            <a:r>
+              <a:rPr lang="en-US" sz="8000" dirty="0" smtClean="0">
+                <a:ln w="18415" cmpd="sng">
+                  <a:solidFill>
+                    <a:srgbClr val="FFFFFF"/>
+                  </a:solidFill>
+                  <a:prstDash val="solid"/>
+                </a:ln>
+                <a:effectLst>
+                  <a:outerShdw blurRad="63500" dir="3600000" algn="tl" rotWithShape="0">
+                    <a:srgbClr val="000000">
+                      <a:alpha val="70000"/>
+                    </a:srgbClr>
+                  </a:outerShdw>
+                </a:effectLst>
+              </a:rPr>
+              <a:t>diary</a:t>
             </a:r>
             <a:r>
               <a:rPr lang="en-US" sz="4800" dirty="0" smtClean="0">
@@ -5215,6 +5233,30 @@
           </a:p>
         </p:txBody>
       </p:sp>
+      <p:pic>
+        <p:nvPicPr>
+          <p:cNvPr id="4" name="Рисунок 3" descr="icon.png"/>
+          <p:cNvPicPr>
+            <a:picLocks noChangeAspect="1"/>
+          </p:cNvPicPr>
+          <p:nvPr/>
+        </p:nvPicPr>
+        <p:blipFill>
+          <a:blip r:embed="rId2" cstate="print"/>
+          <a:stretch>
+            <a:fillRect/>
+          </a:stretch>
+        </p:blipFill>
+        <p:spPr>
+          <a:xfrm>
+            <a:off x="467544" y="1656539"/>
+            <a:ext cx="548325" cy="548325"/>
+          </a:xfrm>
+          <a:prstGeom prst="rect">
+            <a:avLst/>
+          </a:prstGeom>
+        </p:spPr>
+      </p:pic>
     </p:spTree>
   </p:cSld>
   <p:clrMapOvr>
@@ -5328,11 +5370,7 @@
             </a:r>
             <a:r>
               <a:rPr lang="ru-RU" sz="2800" dirty="0" smtClean="0"/>
-              <a:t>приложение, предназначенное для учета расходов и </a:t>
-            </a:r>
-            <a:r>
-              <a:rPr lang="ru-RU" sz="2800" dirty="0" smtClean="0"/>
-              <a:t>доходов, написанное на высокоуровневом языке программирования </a:t>
+              <a:t>приложение, предназначенное для учета расходов и доходов, написанное на высокоуровневом языке программирования </a:t>
             </a:r>
             <a:r>
               <a:rPr lang="en-US" sz="2800" dirty="0" smtClean="0"/>
@@ -5355,6 +5393,13 @@
   <p:clrMapOvr>
     <a:masterClrMapping/>
   </p:clrMapOvr>
+  <p:timing>
+    <p:tnLst>
+      <p:par>
+        <p:cTn id="1" dur="indefinite" restart="never" nodeType="tmRoot"/>
+      </p:par>
+    </p:tnLst>
+  </p:timing>
 </p:sld>
 </file>
 
